--- a/parallel_processing_in_R.pptx
+++ b/parallel_processing_in_R.pptx
@@ -8,6 +8,8 @@
     <p:sldId id="256" r:id="rId2"/>
     <p:sldId id="260" r:id="rId3"/>
     <p:sldId id="261" r:id="rId4"/>
+    <p:sldId id="262" r:id="rId5"/>
+    <p:sldId id="263" r:id="rId6"/>
   </p:sldIdLst>
   <p:sldSz cx="10083800" cy="7556500"/>
   <p:notesSz cx="10083800" cy="7556500"/>
@@ -268,7 +270,7 @@
           <a:p>
             <a:fld id="{1D8BD707-D9CF-40AE-B4C6-C98DA3205C09}" type="datetimeFigureOut">
               <a:rPr lang="en-US"/>
-              <a:t>5/18/19</a:t>
+              <a:t>5/19/19</a:t>
             </a:fld>
             <a:endParaRPr lang="en-US"/>
           </a:p>
@@ -445,7 +447,7 @@
           <a:p>
             <a:fld id="{1D8BD707-D9CF-40AE-B4C6-C98DA3205C09}" type="datetimeFigureOut">
               <a:rPr lang="en-US"/>
-              <a:t>5/18/19</a:t>
+              <a:t>5/19/19</a:t>
             </a:fld>
             <a:endParaRPr lang="en-US"/>
           </a:p>
@@ -665,7 +667,7 @@
           <a:p>
             <a:fld id="{1D8BD707-D9CF-40AE-B4C6-C98DA3205C09}" type="datetimeFigureOut">
               <a:rPr lang="en-US"/>
-              <a:t>5/18/19</a:t>
+              <a:t>5/19/19</a:t>
             </a:fld>
             <a:endParaRPr lang="en-US"/>
           </a:p>
@@ -813,7 +815,7 @@
           <a:p>
             <a:fld id="{1D8BD707-D9CF-40AE-B4C6-C98DA3205C09}" type="datetimeFigureOut">
               <a:rPr lang="en-US"/>
-              <a:t>5/18/19</a:t>
+              <a:t>5/19/19</a:t>
             </a:fld>
             <a:endParaRPr lang="en-US"/>
           </a:p>
@@ -932,7 +934,7 @@
           <a:p>
             <a:fld id="{1D8BD707-D9CF-40AE-B4C6-C98DA3205C09}" type="datetimeFigureOut">
               <a:rPr lang="en-US"/>
-              <a:t>5/18/19</a:t>
+              <a:t>5/19/19</a:t>
             </a:fld>
             <a:endParaRPr lang="en-US"/>
           </a:p>
@@ -1157,7 +1159,7 @@
           <a:p>
             <a:fld id="{1D8BD707-D9CF-40AE-B4C6-C98DA3205C09}" type="datetimeFigureOut">
               <a:rPr lang="en-US"/>
-              <a:t>5/18/19</a:t>
+              <a:t>5/19/19</a:t>
             </a:fld>
             <a:endParaRPr lang="en-US"/>
           </a:p>
@@ -1575,8 +1577,8 @@
         </p:nvSpPr>
         <p:spPr>
           <a:xfrm>
-            <a:off x="2024444" y="545616"/>
-            <a:ext cx="6553200" cy="689932"/>
+            <a:off x="4180872" y="501650"/>
+            <a:ext cx="1722056" cy="689932"/>
           </a:xfrm>
           <a:prstGeom prst="rect">
             <a:avLst/>
@@ -1598,7 +1600,7 @@
             </a:pPr>
             <a:r>
               <a:rPr lang="en-US" spc="-70" dirty="0"/>
-              <a:t>Basics before diving in …</a:t>
+              <a:t>Basics </a:t>
             </a:r>
             <a:endParaRPr spc="-70" dirty="0"/>
           </a:p>
@@ -1612,8 +1614,8 @@
         </p:nvSpPr>
         <p:spPr>
           <a:xfrm>
-            <a:off x="1411605" y="1576840"/>
-            <a:ext cx="7260590" cy="5262880"/>
+            <a:off x="1222725" y="1434019"/>
+            <a:ext cx="5190775" cy="3931035"/>
           </a:xfrm>
           <a:prstGeom prst="rect">
             <a:avLst/>
@@ -1711,8 +1713,8 @@
         </p:nvSpPr>
         <p:spPr>
           <a:xfrm>
-            <a:off x="7861300" y="6618469"/>
-            <a:ext cx="2019300" cy="784830"/>
+            <a:off x="3026860" y="5090868"/>
+            <a:ext cx="3386640" cy="276999"/>
           </a:xfrm>
           <a:prstGeom prst="rect">
             <a:avLst/>
@@ -1726,24 +1728,114 @@
           <a:lstStyle/>
           <a:p>
             <a:r>
-              <a:rPr lang="en-US" sz="1500" dirty="0"/>
+              <a:rPr lang="en-US" sz="1200" dirty="0"/>
               <a:t>Source: NIH </a:t>
             </a:r>
             <a:r>
-              <a:rPr lang="en-US" sz="1500" dirty="0" err="1"/>
+              <a:rPr lang="en-US" sz="1200" dirty="0" err="1"/>
               <a:t>Biowulf</a:t>
             </a:r>
             <a:r>
-              <a:rPr lang="en-US" sz="1500" dirty="0"/>
+              <a:rPr lang="en-US" sz="1200" dirty="0"/>
               <a:t> HPC ,"Introduction to </a:t>
             </a:r>
             <a:r>
-              <a:rPr lang="en-US" sz="1500" dirty="0" err="1"/>
+              <a:rPr lang="en-US" sz="1200" dirty="0" err="1"/>
               <a:t>Biowulf</a:t>
             </a:r>
             <a:r>
-              <a:rPr lang="en-US" sz="1500" dirty="0"/>
+              <a:rPr lang="en-US" sz="1200" dirty="0"/>
+              <a:t>.” </a:t>
+            </a:r>
+          </a:p>
+        </p:txBody>
+      </p:sp>
+      <p:sp>
+        <p:nvSpPr>
+          <p:cNvPr id="4" name="TextBox 3">
+            <a:extLst>
+              <a:ext uri="{FF2B5EF4-FFF2-40B4-BE49-F238E27FC236}">
+                <a16:creationId xmlns:a16="http://schemas.microsoft.com/office/drawing/2014/main" id="{781FBB2C-11CA-CF4C-AB7E-33CE004D7DCB}"/>
+              </a:ext>
+            </a:extLst>
+          </p:cNvPr>
+          <p:cNvSpPr txBox="1"/>
+          <p:nvPr/>
+        </p:nvSpPr>
+        <p:spPr>
+          <a:xfrm>
+            <a:off x="599472" y="5770430"/>
+            <a:ext cx="7162800" cy="1015663"/>
+          </a:xfrm>
+          <a:prstGeom prst="rect">
+            <a:avLst/>
+          </a:prstGeom>
+          <a:noFill/>
+        </p:spPr>
+        <p:txBody>
+          <a:bodyPr wrap="square" rtlCol="0">
+            <a:spAutoFit/>
+          </a:bodyPr>
+          <a:lstStyle/>
+          <a:p>
+            <a:r>
+              <a:rPr lang="en-US" b="1" dirty="0"/>
+              <a:t>“Logical cores</a:t>
+            </a:r>
+            <a:r>
+              <a:rPr lang="en-US" dirty="0"/>
+              <a:t> are the number of </a:t>
+            </a:r>
+            <a:r>
+              <a:rPr lang="en-US" b="1" dirty="0"/>
+              <a:t>Physical cores</a:t>
+            </a:r>
+            <a:r>
+              <a:rPr lang="en-US" dirty="0"/>
+              <a:t> times the number of </a:t>
+            </a:r>
+            <a:r>
+              <a:rPr lang="en-US" b="1" dirty="0"/>
+              <a:t>threads</a:t>
+            </a:r>
+            <a:r>
+              <a:rPr lang="en-US" dirty="0"/>
+              <a:t> that can run on each cores. This is known as </a:t>
+            </a:r>
+            <a:r>
+              <a:rPr lang="en-US" b="1" dirty="0" err="1"/>
+              <a:t>HyperThreading</a:t>
+            </a:r>
+            <a:r>
+              <a:rPr lang="en-US" b="1" dirty="0"/>
               <a:t>”</a:t>
+            </a:r>
+          </a:p>
+          <a:p>
+            <a:pPr algn="r"/>
+            <a:endParaRPr lang="en-US" sz="1200" dirty="0"/>
+          </a:p>
+          <a:p>
+            <a:pPr algn="r"/>
+            <a:r>
+              <a:rPr lang="en-US" sz="1200" dirty="0"/>
+              <a:t>Source:  https://</a:t>
+            </a:r>
+            <a:r>
+              <a:rPr lang="en-US" sz="1200" dirty="0" err="1"/>
+              <a:t>superuser.com</a:t>
+            </a:r>
+            <a:r>
+              <a:rPr lang="en-US" sz="1200" dirty="0"/>
+              <a:t>/questions/1105654/logical-vs-physical-</a:t>
+            </a:r>
+            <a:r>
+              <a:rPr lang="en-US" sz="1200" dirty="0" err="1"/>
+              <a:t>cpu</a:t>
+            </a:r>
+            <a:r>
+              <a:rPr lang="en-US" sz="1200" dirty="0"/>
+              <a:t>-performance</a:t>
             </a:r>
           </a:p>
         </p:txBody>
@@ -1791,7 +1883,7 @@
         </p:nvSpPr>
         <p:spPr>
           <a:xfrm>
-            <a:off x="2687321" y="273050"/>
+            <a:off x="2683509" y="425450"/>
             <a:ext cx="4716779" cy="677108"/>
           </a:xfrm>
         </p:spPr>
@@ -1822,12 +1914,23 @@
             <p:ph type="body" idx="1"/>
           </p:nvPr>
         </p:nvSpPr>
-        <p:spPr/>
+        <p:spPr>
+          <a:xfrm>
+            <a:off x="508000" y="1949450"/>
+            <a:ext cx="9067799" cy="769441"/>
+          </a:xfrm>
+        </p:spPr>
         <p:txBody>
           <a:bodyPr/>
           <a:lstStyle/>
           <a:p>
-            <a:endParaRPr lang="en-US" dirty="0"/>
+            <a:r>
+              <a:rPr lang="en-US" sz="2500" dirty="0">
+                <a:hlinkClick r:id="rId2"/>
+              </a:rPr>
+              <a:t>https://mybinder.org/v2/gh/dophos/may_2019_forum.git/master</a:t>
+            </a:r>
+            <a:endParaRPr lang="en-US" sz="2500" dirty="0"/>
           </a:p>
         </p:txBody>
       </p:sp>
@@ -1835,6 +1938,305 @@
     <p:extLst>
       <p:ext uri="{BB962C8B-B14F-4D97-AF65-F5344CB8AC3E}">
         <p14:creationId xmlns:p14="http://schemas.microsoft.com/office/powerpoint/2010/main" val="405969264"/>
+      </p:ext>
+    </p:extLst>
+  </p:cSld>
+  <p:clrMapOvr>
+    <a:masterClrMapping/>
+  </p:clrMapOvr>
+</p:sld>
+</file>
+
+<file path=ppt/slides/slide4.xml><?xml version="1.0" encoding="utf-8"?>
+<p:sld xmlns:a="http://schemas.openxmlformats.org/drawingml/2006/main" xmlns:r="http://schemas.openxmlformats.org/officeDocument/2006/relationships" xmlns:p="http://schemas.openxmlformats.org/presentationml/2006/main">
+  <p:cSld>
+    <p:spTree>
+      <p:nvGrpSpPr>
+        <p:cNvPr id="1" name=""/>
+        <p:cNvGrpSpPr/>
+        <p:nvPr/>
+      </p:nvGrpSpPr>
+      <p:grpSpPr>
+        <a:xfrm>
+          <a:off x="0" y="0"/>
+          <a:ext cx="0" cy="0"/>
+          <a:chOff x="0" y="0"/>
+          <a:chExt cx="0" cy="0"/>
+        </a:xfrm>
+      </p:grpSpPr>
+      <p:sp>
+        <p:nvSpPr>
+          <p:cNvPr id="2" name="Title 1">
+            <a:extLst>
+              <a:ext uri="{FF2B5EF4-FFF2-40B4-BE49-F238E27FC236}">
+                <a16:creationId xmlns:a16="http://schemas.microsoft.com/office/drawing/2014/main" id="{F2A24A30-746A-2043-9E5B-C388E1943A37}"/>
+              </a:ext>
+            </a:extLst>
+          </p:cNvPr>
+          <p:cNvSpPr>
+            <a:spLocks noGrp="1"/>
+          </p:cNvSpPr>
+          <p:nvPr>
+            <p:ph type="title"/>
+          </p:nvPr>
+        </p:nvSpPr>
+        <p:spPr>
+          <a:xfrm>
+            <a:off x="882015" y="577850"/>
+            <a:ext cx="8319769" cy="677108"/>
+          </a:xfrm>
+        </p:spPr>
+        <p:txBody>
+          <a:bodyPr/>
+          <a:lstStyle/>
+          <a:p>
+            <a:r>
+              <a:rPr lang="en-US" dirty="0"/>
+              <a:t>What can </a:t>
+            </a:r>
+            <a:r>
+              <a:rPr lang="en-US" dirty="0">
+                <a:latin typeface="Consolas" panose="020B0609020204030204" pitchFamily="49" charset="0"/>
+                <a:cs typeface="Consolas" panose="020B0609020204030204" pitchFamily="49" charset="0"/>
+              </a:rPr>
+              <a:t>drake</a:t>
+            </a:r>
+            <a:r>
+              <a:rPr lang="en-US" dirty="0"/>
+              <a:t> can do for you?</a:t>
+            </a:r>
+          </a:p>
+        </p:txBody>
+      </p:sp>
+      <p:sp>
+        <p:nvSpPr>
+          <p:cNvPr id="3" name="Text Placeholder 2">
+            <a:extLst>
+              <a:ext uri="{FF2B5EF4-FFF2-40B4-BE49-F238E27FC236}">
+                <a16:creationId xmlns:a16="http://schemas.microsoft.com/office/drawing/2014/main" id="{0DC5ADD6-23ED-4E44-B6B1-E440B2E3A5F7}"/>
+              </a:ext>
+            </a:extLst>
+          </p:cNvPr>
+          <p:cNvSpPr>
+            <a:spLocks noGrp="1"/>
+          </p:cNvSpPr>
+          <p:nvPr>
+            <p:ph type="body" idx="1"/>
+          </p:nvPr>
+        </p:nvSpPr>
+        <p:spPr>
+          <a:xfrm>
+            <a:off x="608330" y="2273300"/>
+            <a:ext cx="8867139" cy="2308324"/>
+          </a:xfrm>
+        </p:spPr>
+        <p:txBody>
+          <a:bodyPr/>
+          <a:lstStyle/>
+          <a:p>
+            <a:pPr marL="342900" indent="-342900">
+              <a:buFont typeface="Arial" panose="020B0604020202020204" pitchFamily="34" charset="0"/>
+              <a:buChar char="•"/>
+            </a:pPr>
+            <a:r>
+              <a:rPr lang="en-US" sz="2500" dirty="0"/>
+              <a:t>Similar to philosophy behind Make and </a:t>
+            </a:r>
+            <a:r>
+              <a:rPr lang="en-US" sz="2500" dirty="0" err="1"/>
+              <a:t>Makefile</a:t>
+            </a:r>
+            <a:r>
+              <a:rPr lang="en-US" sz="2500" dirty="0"/>
+              <a:t> in C++</a:t>
+            </a:r>
+          </a:p>
+          <a:p>
+            <a:pPr marL="342900" indent="-342900">
+              <a:buFont typeface="Arial" panose="020B0604020202020204" pitchFamily="34" charset="0"/>
+              <a:buChar char="•"/>
+            </a:pPr>
+            <a:r>
+              <a:rPr lang="en-US" sz="2500" dirty="0"/>
+              <a:t>Easy to track and map R object dependencies</a:t>
+            </a:r>
+          </a:p>
+          <a:p>
+            <a:pPr marL="342900" indent="-342900">
+              <a:buFont typeface="Arial" panose="020B0604020202020204" pitchFamily="34" charset="0"/>
+              <a:buChar char="•"/>
+            </a:pPr>
+            <a:r>
+              <a:rPr lang="en-US" sz="2500" dirty="0"/>
+              <a:t>Reduce unnecessary R script runs by caching the results of previous runs</a:t>
+            </a:r>
+          </a:p>
+          <a:p>
+            <a:pPr marL="342900" indent="-342900">
+              <a:buFont typeface="Arial" panose="020B0604020202020204" pitchFamily="34" charset="0"/>
+              <a:buChar char="•"/>
+            </a:pPr>
+            <a:r>
+              <a:rPr lang="en-US" sz="2500" dirty="0"/>
+              <a:t>Other researchers can easily and confidently reproduce your results</a:t>
+            </a:r>
+          </a:p>
+        </p:txBody>
+      </p:sp>
+    </p:spTree>
+    <p:extLst>
+      <p:ext uri="{BB962C8B-B14F-4D97-AF65-F5344CB8AC3E}">
+        <p14:creationId xmlns:p14="http://schemas.microsoft.com/office/powerpoint/2010/main" val="1374983648"/>
+      </p:ext>
+    </p:extLst>
+  </p:cSld>
+  <p:clrMapOvr>
+    <a:masterClrMapping/>
+  </p:clrMapOvr>
+</p:sld>
+</file>
+
+<file path=ppt/slides/slide5.xml><?xml version="1.0" encoding="utf-8"?>
+<p:sld xmlns:a="http://schemas.openxmlformats.org/drawingml/2006/main" xmlns:r="http://schemas.openxmlformats.org/officeDocument/2006/relationships" xmlns:p="http://schemas.openxmlformats.org/presentationml/2006/main">
+  <p:cSld>
+    <p:spTree>
+      <p:nvGrpSpPr>
+        <p:cNvPr id="1" name=""/>
+        <p:cNvGrpSpPr/>
+        <p:nvPr/>
+      </p:nvGrpSpPr>
+      <p:grpSpPr>
+        <a:xfrm>
+          <a:off x="0" y="0"/>
+          <a:ext cx="0" cy="0"/>
+          <a:chOff x="0" y="0"/>
+          <a:chExt cx="0" cy="0"/>
+        </a:xfrm>
+      </p:grpSpPr>
+      <p:sp>
+        <p:nvSpPr>
+          <p:cNvPr id="2" name="Title 1">
+            <a:extLst>
+              <a:ext uri="{FF2B5EF4-FFF2-40B4-BE49-F238E27FC236}">
+                <a16:creationId xmlns:a16="http://schemas.microsoft.com/office/drawing/2014/main" id="{FD2910FA-43E2-104A-A6D8-70338803BAAF}"/>
+              </a:ext>
+            </a:extLst>
+          </p:cNvPr>
+          <p:cNvSpPr>
+            <a:spLocks noGrp="1"/>
+          </p:cNvSpPr>
+          <p:nvPr>
+            <p:ph type="title"/>
+          </p:nvPr>
+        </p:nvSpPr>
+        <p:spPr>
+          <a:xfrm>
+            <a:off x="1079499" y="501650"/>
+            <a:ext cx="7924799" cy="677108"/>
+          </a:xfrm>
+        </p:spPr>
+        <p:txBody>
+          <a:bodyPr/>
+          <a:lstStyle/>
+          <a:p>
+            <a:pPr algn="ctr"/>
+            <a:r>
+              <a:rPr lang="en-US" dirty="0"/>
+              <a:t>Resources</a:t>
+            </a:r>
+          </a:p>
+        </p:txBody>
+      </p:sp>
+      <p:sp>
+        <p:nvSpPr>
+          <p:cNvPr id="3" name="Text Placeholder 2">
+            <a:extLst>
+              <a:ext uri="{FF2B5EF4-FFF2-40B4-BE49-F238E27FC236}">
+                <a16:creationId xmlns:a16="http://schemas.microsoft.com/office/drawing/2014/main" id="{292BCAB6-84CF-0F43-8D4B-C8A140944C2A}"/>
+              </a:ext>
+            </a:extLst>
+          </p:cNvPr>
+          <p:cNvSpPr>
+            <a:spLocks noGrp="1"/>
+          </p:cNvSpPr>
+          <p:nvPr>
+            <p:ph type="body" idx="1"/>
+          </p:nvPr>
+        </p:nvSpPr>
+        <p:spPr>
+          <a:xfrm>
+            <a:off x="608330" y="2273300"/>
+            <a:ext cx="9310370" cy="1538883"/>
+          </a:xfrm>
+        </p:spPr>
+        <p:txBody>
+          <a:bodyPr/>
+          <a:lstStyle/>
+          <a:p>
+            <a:pPr marL="342900" indent="-342900">
+              <a:buFont typeface="Arial" panose="020B0604020202020204" pitchFamily="34" charset="0"/>
+              <a:buChar char="•"/>
+            </a:pPr>
+            <a:r>
+              <a:rPr lang="en-US" sz="2500" dirty="0">
+                <a:latin typeface="Consolas" panose="020B0609020204030204" pitchFamily="49" charset="0"/>
+                <a:cs typeface="Consolas" panose="020B0609020204030204" pitchFamily="49" charset="0"/>
+              </a:rPr>
+              <a:t>foreach</a:t>
+            </a:r>
+            <a:r>
+              <a:rPr lang="en-US" sz="2500" dirty="0"/>
+              <a:t>: </a:t>
+            </a:r>
+            <a:r>
+              <a:rPr lang="en-US" sz="2500" dirty="0">
+                <a:hlinkClick r:id="rId2"/>
+              </a:rPr>
+              <a:t>https://cran.r-project.org/web/packages/foreach/vignettes/foreach.pdf</a:t>
+            </a:r>
+            <a:endParaRPr lang="en-US" sz="2500" dirty="0"/>
+          </a:p>
+          <a:p>
+            <a:endParaRPr lang="en-US" sz="2500" dirty="0"/>
+          </a:p>
+          <a:p>
+            <a:pPr marL="342900" indent="-342900">
+              <a:buFont typeface="Arial" panose="020B0604020202020204" pitchFamily="34" charset="0"/>
+              <a:buChar char="•"/>
+            </a:pPr>
+            <a:r>
+              <a:rPr lang="en-US" sz="2500" dirty="0">
+                <a:latin typeface="Consolas" panose="020B0609020204030204" pitchFamily="49" charset="0"/>
+                <a:cs typeface="Consolas" panose="020B0609020204030204" pitchFamily="49" charset="0"/>
+              </a:rPr>
+              <a:t>drake</a:t>
+            </a:r>
+            <a:r>
+              <a:rPr lang="en-US" sz="2500" dirty="0">
+                <a:latin typeface="Arial" panose="020B0604020202020204" pitchFamily="34" charset="0"/>
+                <a:cs typeface="Arial" panose="020B0604020202020204" pitchFamily="34" charset="0"/>
+              </a:rPr>
+              <a:t>: </a:t>
+            </a:r>
+            <a:r>
+              <a:rPr lang="en-US" sz="2500" dirty="0">
+                <a:latin typeface="Arial" panose="020B0604020202020204" pitchFamily="34" charset="0"/>
+                <a:cs typeface="Arial" panose="020B0604020202020204" pitchFamily="34" charset="0"/>
+                <a:hlinkClick r:id="rId3"/>
+              </a:rPr>
+              <a:t>https://ropenscilabs.github.io/drake-manual/</a:t>
+            </a:r>
+            <a:endParaRPr lang="en-US" sz="2500" dirty="0">
+              <a:latin typeface="Arial" panose="020B0604020202020204" pitchFamily="34" charset="0"/>
+              <a:cs typeface="Arial" panose="020B0604020202020204" pitchFamily="34" charset="0"/>
+            </a:endParaRPr>
+          </a:p>
+        </p:txBody>
+      </p:sp>
+    </p:spTree>
+    <p:extLst>
+      <p:ext uri="{BB962C8B-B14F-4D97-AF65-F5344CB8AC3E}">
+        <p14:creationId xmlns:p14="http://schemas.microsoft.com/office/powerpoint/2010/main" val="1332574753"/>
       </p:ext>
     </p:extLst>
   </p:cSld>
